--- a/規格.pptx
+++ b/規格.pptx
@@ -5,12 +5,13 @@
     <p:sldMasterId id="2147483660" r:id="rId1"/>
   </p:sldMasterIdLst>
   <p:notesMasterIdLst>
-    <p:notesMasterId r:id="rId5"/>
+    <p:notesMasterId r:id="rId6"/>
   </p:notesMasterIdLst>
   <p:sldIdLst>
-    <p:sldId id="256" r:id="rId2"/>
-    <p:sldId id="257" r:id="rId3"/>
-    <p:sldId id="258" r:id="rId4"/>
+    <p:sldId id="259" r:id="rId2"/>
+    <p:sldId id="256" r:id="rId3"/>
+    <p:sldId id="257" r:id="rId4"/>
+    <p:sldId id="258" r:id="rId5"/>
   </p:sldIdLst>
   <p:sldSz cx="6858000" cy="12192000"/>
   <p:notesSz cx="6858000" cy="9144000"/>
@@ -109,6 +110,11 @@
       </a:defRPr>
     </a:lvl9pPr>
   </p:defaultTextStyle>
+  <p:extLst>
+    <p:ext uri="{EFAFB233-063F-42B5-8137-9DF3F51BA10A}">
+      <p15:sldGuideLst xmlns:p15="http://schemas.microsoft.com/office/powerpoint/2012/main"/>
+    </p:ext>
+  </p:extLst>
 </p:presentation>
 </file>
 
@@ -527,7 +533,7 @@
           <a:p>
             <a:fld id="{7639C078-39A1-49C8-BE7B-EDF7829B945E}" type="slidenum">
               <a:rPr lang="en-US" smtClean="0"/>
-              <a:t>2</a:t>
+              <a:t>3</a:t>
             </a:fld>
             <a:endParaRPr lang="en-US"/>
           </a:p>
@@ -3405,6 +3411,1112 @@
           <a:chExt cx="0" cy="0"/>
         </a:xfrm>
       </p:grpSpPr>
+      <p:sp>
+        <p:nvSpPr>
+          <p:cNvPr id="4" name="圓角矩形 3"/>
+          <p:cNvSpPr/>
+          <p:nvPr/>
+        </p:nvSpPr>
+        <p:spPr>
+          <a:xfrm>
+            <a:off x="219075" y="441960"/>
+            <a:ext cx="6400800" cy="1874520"/>
+          </a:xfrm>
+          <a:prstGeom prst="roundRect">
+            <a:avLst>
+              <a:gd name="adj" fmla="val 0"/>
+            </a:avLst>
+          </a:prstGeom>
+        </p:spPr>
+        <p:style>
+          <a:lnRef idx="2">
+            <a:schemeClr val="accent6">
+              <a:shade val="50000"/>
+            </a:schemeClr>
+          </a:lnRef>
+          <a:fillRef idx="1">
+            <a:schemeClr val="accent6"/>
+          </a:fillRef>
+          <a:effectRef idx="0">
+            <a:schemeClr val="accent6"/>
+          </a:effectRef>
+          <a:fontRef idx="minor">
+            <a:schemeClr val="lt1"/>
+          </a:fontRef>
+        </p:style>
+        <p:txBody>
+          <a:bodyPr rtlCol="0" anchor="ctr"/>
+          <a:lstStyle/>
+          <a:p>
+            <a:pPr algn="ctr"/>
+            <a:r>
+              <a:rPr lang="zh-TW" altLang="en-US" dirty="0" smtClean="0"/>
+              <a:t>首頁</a:t>
+            </a:r>
+            <a:endParaRPr lang="en-US" altLang="zh-TW" dirty="0" smtClean="0"/>
+          </a:p>
+          <a:p>
+            <a:pPr algn="ctr"/>
+            <a:endParaRPr lang="en-US" dirty="0"/>
+          </a:p>
+          <a:p>
+            <a:pPr algn="ctr"/>
+            <a:endParaRPr lang="en-US" dirty="0" smtClean="0"/>
+          </a:p>
+          <a:p>
+            <a:pPr algn="ctr"/>
+            <a:endParaRPr lang="en-US" dirty="0"/>
+          </a:p>
+          <a:p>
+            <a:pPr algn="ctr"/>
+            <a:endParaRPr lang="en-US" dirty="0" smtClean="0"/>
+          </a:p>
+          <a:p>
+            <a:pPr algn="ctr"/>
+            <a:endParaRPr lang="en-US" dirty="0"/>
+          </a:p>
+        </p:txBody>
+      </p:sp>
+      <p:sp>
+        <p:nvSpPr>
+          <p:cNvPr id="5" name="矩形 4"/>
+          <p:cNvSpPr/>
+          <p:nvPr/>
+        </p:nvSpPr>
+        <p:spPr>
+          <a:xfrm>
+            <a:off x="219075" y="1661160"/>
+            <a:ext cx="1280160" cy="655320"/>
+          </a:xfrm>
+          <a:prstGeom prst="rect">
+            <a:avLst/>
+          </a:prstGeom>
+        </p:spPr>
+        <p:style>
+          <a:lnRef idx="2">
+            <a:schemeClr val="accent2">
+              <a:shade val="50000"/>
+            </a:schemeClr>
+          </a:lnRef>
+          <a:fillRef idx="1">
+            <a:schemeClr val="accent2"/>
+          </a:fillRef>
+          <a:effectRef idx="0">
+            <a:schemeClr val="accent2"/>
+          </a:effectRef>
+          <a:fontRef idx="minor">
+            <a:schemeClr val="lt1"/>
+          </a:fontRef>
+        </p:style>
+        <p:txBody>
+          <a:bodyPr rtlCol="0" anchor="ctr"/>
+          <a:lstStyle/>
+          <a:p>
+            <a:pPr algn="ctr"/>
+            <a:r>
+              <a:rPr lang="zh-TW" altLang="en-US" dirty="0" smtClean="0"/>
+              <a:t>最新消息</a:t>
+            </a:r>
+            <a:endParaRPr lang="en-US" dirty="0"/>
+          </a:p>
+        </p:txBody>
+      </p:sp>
+      <p:sp>
+        <p:nvSpPr>
+          <p:cNvPr id="6" name="矩形 5"/>
+          <p:cNvSpPr/>
+          <p:nvPr/>
+        </p:nvSpPr>
+        <p:spPr>
+          <a:xfrm>
+            <a:off x="325755" y="3276600"/>
+            <a:ext cx="1066800" cy="518160"/>
+          </a:xfrm>
+          <a:prstGeom prst="rect">
+            <a:avLst/>
+          </a:prstGeom>
+        </p:spPr>
+        <p:style>
+          <a:lnRef idx="2">
+            <a:schemeClr val="accent1">
+              <a:shade val="50000"/>
+            </a:schemeClr>
+          </a:lnRef>
+          <a:fillRef idx="1">
+            <a:schemeClr val="accent1"/>
+          </a:fillRef>
+          <a:effectRef idx="0">
+            <a:schemeClr val="accent1"/>
+          </a:effectRef>
+          <a:fontRef idx="minor">
+            <a:schemeClr val="lt1"/>
+          </a:fontRef>
+        </p:style>
+        <p:txBody>
+          <a:bodyPr rtlCol="0" anchor="ctr"/>
+          <a:lstStyle/>
+          <a:p>
+            <a:pPr algn="ctr"/>
+            <a:r>
+              <a:rPr lang="en-US" dirty="0" smtClean="0"/>
+              <a:t>news</a:t>
+            </a:r>
+            <a:endParaRPr lang="en-US" dirty="0"/>
+          </a:p>
+        </p:txBody>
+      </p:sp>
+      <p:sp>
+        <p:nvSpPr>
+          <p:cNvPr id="7" name="矩形 6"/>
+          <p:cNvSpPr/>
+          <p:nvPr/>
+        </p:nvSpPr>
+        <p:spPr>
+          <a:xfrm>
+            <a:off x="325755" y="4084320"/>
+            <a:ext cx="1066800" cy="518160"/>
+          </a:xfrm>
+          <a:prstGeom prst="rect">
+            <a:avLst/>
+          </a:prstGeom>
+        </p:spPr>
+        <p:style>
+          <a:lnRef idx="2">
+            <a:schemeClr val="accent1">
+              <a:shade val="50000"/>
+            </a:schemeClr>
+          </a:lnRef>
+          <a:fillRef idx="1">
+            <a:schemeClr val="accent1"/>
+          </a:fillRef>
+          <a:effectRef idx="0">
+            <a:schemeClr val="accent1"/>
+          </a:effectRef>
+          <a:fontRef idx="minor">
+            <a:schemeClr val="lt1"/>
+          </a:fontRef>
+        </p:style>
+        <p:txBody>
+          <a:bodyPr rtlCol="0" anchor="ctr"/>
+          <a:lstStyle/>
+          <a:p>
+            <a:pPr algn="ctr"/>
+            <a:r>
+              <a:rPr lang="en-US" dirty="0" err="1" smtClean="0"/>
+              <a:t>News_c</a:t>
+            </a:r>
+            <a:endParaRPr lang="en-US" dirty="0"/>
+          </a:p>
+        </p:txBody>
+      </p:sp>
+      <p:cxnSp>
+        <p:nvCxnSpPr>
+          <p:cNvPr id="9" name="直線接點 8"/>
+          <p:cNvCxnSpPr>
+            <a:stCxn id="5" idx="2"/>
+            <a:endCxn id="6" idx="0"/>
+          </p:cNvCxnSpPr>
+          <p:nvPr/>
+        </p:nvCxnSpPr>
+        <p:spPr>
+          <a:xfrm>
+            <a:off x="859155" y="2316480"/>
+            <a:ext cx="0" cy="960120"/>
+          </a:xfrm>
+          <a:prstGeom prst="line">
+            <a:avLst/>
+          </a:prstGeom>
+        </p:spPr>
+        <p:style>
+          <a:lnRef idx="1">
+            <a:schemeClr val="accent1"/>
+          </a:lnRef>
+          <a:fillRef idx="0">
+            <a:schemeClr val="accent1"/>
+          </a:fillRef>
+          <a:effectRef idx="0">
+            <a:schemeClr val="accent1"/>
+          </a:effectRef>
+          <a:fontRef idx="minor">
+            <a:schemeClr val="tx1"/>
+          </a:fontRef>
+        </p:style>
+      </p:cxnSp>
+      <p:cxnSp>
+        <p:nvCxnSpPr>
+          <p:cNvPr id="11" name="直線接點 10"/>
+          <p:cNvCxnSpPr>
+            <a:stCxn id="6" idx="2"/>
+            <a:endCxn id="7" idx="0"/>
+          </p:cNvCxnSpPr>
+          <p:nvPr/>
+        </p:nvCxnSpPr>
+        <p:spPr>
+          <a:xfrm>
+            <a:off x="859155" y="3794760"/>
+            <a:ext cx="0" cy="289560"/>
+          </a:xfrm>
+          <a:prstGeom prst="line">
+            <a:avLst/>
+          </a:prstGeom>
+        </p:spPr>
+        <p:style>
+          <a:lnRef idx="1">
+            <a:schemeClr val="accent1"/>
+          </a:lnRef>
+          <a:fillRef idx="0">
+            <a:schemeClr val="accent1"/>
+          </a:fillRef>
+          <a:effectRef idx="0">
+            <a:schemeClr val="accent1"/>
+          </a:effectRef>
+          <a:fontRef idx="minor">
+            <a:schemeClr val="tx1"/>
+          </a:fontRef>
+        </p:style>
+      </p:cxnSp>
+      <p:sp>
+        <p:nvSpPr>
+          <p:cNvPr id="12" name="矩形 11"/>
+          <p:cNvSpPr/>
+          <p:nvPr/>
+        </p:nvSpPr>
+        <p:spPr>
+          <a:xfrm>
+            <a:off x="1499235" y="1661160"/>
+            <a:ext cx="1280160" cy="655320"/>
+          </a:xfrm>
+          <a:prstGeom prst="rect">
+            <a:avLst/>
+          </a:prstGeom>
+        </p:spPr>
+        <p:style>
+          <a:lnRef idx="2">
+            <a:schemeClr val="accent2">
+              <a:shade val="50000"/>
+            </a:schemeClr>
+          </a:lnRef>
+          <a:fillRef idx="1">
+            <a:schemeClr val="accent2"/>
+          </a:fillRef>
+          <a:effectRef idx="0">
+            <a:schemeClr val="accent2"/>
+          </a:effectRef>
+          <a:fontRef idx="minor">
+            <a:schemeClr val="lt1"/>
+          </a:fontRef>
+        </p:style>
+        <p:txBody>
+          <a:bodyPr rtlCol="0" anchor="ctr"/>
+          <a:lstStyle/>
+          <a:p>
+            <a:pPr algn="ctr"/>
+            <a:r>
+              <a:rPr lang="zh-TW" altLang="en-US" dirty="0" smtClean="0"/>
+              <a:t>關於我</a:t>
+            </a:r>
+            <a:r>
+              <a:rPr lang="zh-TW" altLang="en-US" dirty="0"/>
+              <a:t>們</a:t>
+            </a:r>
+            <a:endParaRPr lang="en-US" dirty="0"/>
+          </a:p>
+        </p:txBody>
+      </p:sp>
+      <p:sp>
+        <p:nvSpPr>
+          <p:cNvPr id="13" name="矩形 12"/>
+          <p:cNvSpPr/>
+          <p:nvPr/>
+        </p:nvSpPr>
+        <p:spPr>
+          <a:xfrm>
+            <a:off x="2779395" y="1661160"/>
+            <a:ext cx="1280160" cy="655320"/>
+          </a:xfrm>
+          <a:prstGeom prst="rect">
+            <a:avLst/>
+          </a:prstGeom>
+        </p:spPr>
+        <p:style>
+          <a:lnRef idx="2">
+            <a:schemeClr val="accent2">
+              <a:shade val="50000"/>
+            </a:schemeClr>
+          </a:lnRef>
+          <a:fillRef idx="1">
+            <a:schemeClr val="accent2"/>
+          </a:fillRef>
+          <a:effectRef idx="0">
+            <a:schemeClr val="accent2"/>
+          </a:effectRef>
+          <a:fontRef idx="minor">
+            <a:schemeClr val="lt1"/>
+          </a:fontRef>
+        </p:style>
+        <p:txBody>
+          <a:bodyPr rtlCol="0" anchor="ctr"/>
+          <a:lstStyle/>
+          <a:p>
+            <a:pPr algn="ctr"/>
+            <a:r>
+              <a:rPr lang="zh-TW" altLang="en-US" dirty="0" smtClean="0"/>
+              <a:t>更多</a:t>
+            </a:r>
+            <a:r>
+              <a:rPr lang="zh-TW" altLang="en-US" dirty="0"/>
+              <a:t>相關</a:t>
+            </a:r>
+            <a:endParaRPr lang="en-US" dirty="0"/>
+          </a:p>
+        </p:txBody>
+      </p:sp>
+      <p:sp>
+        <p:nvSpPr>
+          <p:cNvPr id="15" name="矩形 14"/>
+          <p:cNvSpPr/>
+          <p:nvPr/>
+        </p:nvSpPr>
+        <p:spPr>
+          <a:xfrm>
+            <a:off x="4059555" y="1661160"/>
+            <a:ext cx="1280160" cy="655320"/>
+          </a:xfrm>
+          <a:prstGeom prst="rect">
+            <a:avLst/>
+          </a:prstGeom>
+        </p:spPr>
+        <p:style>
+          <a:lnRef idx="2">
+            <a:schemeClr val="accent2">
+              <a:shade val="50000"/>
+            </a:schemeClr>
+          </a:lnRef>
+          <a:fillRef idx="1">
+            <a:schemeClr val="accent2"/>
+          </a:fillRef>
+          <a:effectRef idx="0">
+            <a:schemeClr val="accent2"/>
+          </a:effectRef>
+          <a:fontRef idx="minor">
+            <a:schemeClr val="lt1"/>
+          </a:fontRef>
+        </p:style>
+        <p:txBody>
+          <a:bodyPr rtlCol="0" anchor="ctr"/>
+          <a:lstStyle/>
+          <a:p>
+            <a:pPr algn="ctr"/>
+            <a:r>
+              <a:rPr lang="zh-TW" altLang="en-US" dirty="0" smtClean="0"/>
+              <a:t>給個贊</a:t>
+            </a:r>
+            <a:r>
+              <a:rPr lang="zh-TW" altLang="en-US" dirty="0"/>
+              <a:t>助</a:t>
+            </a:r>
+            <a:endParaRPr lang="en-US" dirty="0"/>
+          </a:p>
+        </p:txBody>
+      </p:sp>
+      <p:sp>
+        <p:nvSpPr>
+          <p:cNvPr id="16" name="矩形 15"/>
+          <p:cNvSpPr/>
+          <p:nvPr/>
+        </p:nvSpPr>
+        <p:spPr>
+          <a:xfrm>
+            <a:off x="1541145" y="3276600"/>
+            <a:ext cx="1196340" cy="518160"/>
+          </a:xfrm>
+          <a:prstGeom prst="rect">
+            <a:avLst/>
+          </a:prstGeom>
+        </p:spPr>
+        <p:style>
+          <a:lnRef idx="2">
+            <a:schemeClr val="accent1">
+              <a:shade val="50000"/>
+            </a:schemeClr>
+          </a:lnRef>
+          <a:fillRef idx="1">
+            <a:schemeClr val="accent1"/>
+          </a:fillRef>
+          <a:effectRef idx="0">
+            <a:schemeClr val="accent1"/>
+          </a:effectRef>
+          <a:fontRef idx="minor">
+            <a:schemeClr val="lt1"/>
+          </a:fontRef>
+        </p:style>
+        <p:txBody>
+          <a:bodyPr rtlCol="0" anchor="ctr"/>
+          <a:lstStyle/>
+          <a:p>
+            <a:pPr algn="ctr"/>
+            <a:r>
+              <a:rPr lang="en-US" dirty="0" err="1"/>
+              <a:t>A</a:t>
+            </a:r>
+            <a:r>
+              <a:rPr lang="en-US" dirty="0" err="1" smtClean="0"/>
+              <a:t>boutUs</a:t>
+            </a:r>
+            <a:endParaRPr lang="en-US" dirty="0"/>
+          </a:p>
+        </p:txBody>
+      </p:sp>
+      <p:cxnSp>
+        <p:nvCxnSpPr>
+          <p:cNvPr id="21" name="直線接點 20"/>
+          <p:cNvCxnSpPr>
+            <a:stCxn id="16" idx="0"/>
+            <a:endCxn id="12" idx="2"/>
+          </p:cNvCxnSpPr>
+          <p:nvPr/>
+        </p:nvCxnSpPr>
+        <p:spPr>
+          <a:xfrm flipV="1">
+            <a:off x="2139315" y="2316480"/>
+            <a:ext cx="0" cy="960120"/>
+          </a:xfrm>
+          <a:prstGeom prst="line">
+            <a:avLst/>
+          </a:prstGeom>
+        </p:spPr>
+        <p:style>
+          <a:lnRef idx="1">
+            <a:schemeClr val="accent1"/>
+          </a:lnRef>
+          <a:fillRef idx="0">
+            <a:schemeClr val="accent1"/>
+          </a:fillRef>
+          <a:effectRef idx="0">
+            <a:schemeClr val="accent1"/>
+          </a:effectRef>
+          <a:fontRef idx="minor">
+            <a:schemeClr val="tx1"/>
+          </a:fontRef>
+        </p:style>
+      </p:cxnSp>
+      <p:sp>
+        <p:nvSpPr>
+          <p:cNvPr id="22" name="矩形 21"/>
+          <p:cNvSpPr/>
+          <p:nvPr/>
+        </p:nvSpPr>
+        <p:spPr>
+          <a:xfrm>
+            <a:off x="1861185" y="5516880"/>
+            <a:ext cx="1219200" cy="533400"/>
+          </a:xfrm>
+          <a:prstGeom prst="rect">
+            <a:avLst/>
+          </a:prstGeom>
+        </p:spPr>
+        <p:style>
+          <a:lnRef idx="2">
+            <a:schemeClr val="accent1">
+              <a:shade val="50000"/>
+            </a:schemeClr>
+          </a:lnRef>
+          <a:fillRef idx="1">
+            <a:schemeClr val="accent1"/>
+          </a:fillRef>
+          <a:effectRef idx="0">
+            <a:schemeClr val="accent1"/>
+          </a:effectRef>
+          <a:fontRef idx="minor">
+            <a:schemeClr val="lt1"/>
+          </a:fontRef>
+        </p:style>
+        <p:txBody>
+          <a:bodyPr rtlCol="0" anchor="ctr"/>
+          <a:lstStyle/>
+          <a:p>
+            <a:pPr algn="ctr"/>
+            <a:r>
+              <a:rPr lang="en-US" dirty="0" err="1" smtClean="0"/>
+              <a:t>CuteTree</a:t>
+            </a:r>
+            <a:endParaRPr lang="en-US" dirty="0"/>
+          </a:p>
+        </p:txBody>
+      </p:sp>
+      <p:sp>
+        <p:nvSpPr>
+          <p:cNvPr id="23" name="矩形 22"/>
+          <p:cNvSpPr/>
+          <p:nvPr/>
+        </p:nvSpPr>
+        <p:spPr>
+          <a:xfrm>
+            <a:off x="2809875" y="4305300"/>
+            <a:ext cx="1219200" cy="533400"/>
+          </a:xfrm>
+          <a:prstGeom prst="rect">
+            <a:avLst/>
+          </a:prstGeom>
+        </p:spPr>
+        <p:style>
+          <a:lnRef idx="2">
+            <a:schemeClr val="accent1">
+              <a:shade val="50000"/>
+            </a:schemeClr>
+          </a:lnRef>
+          <a:fillRef idx="1">
+            <a:schemeClr val="accent1"/>
+          </a:fillRef>
+          <a:effectRef idx="0">
+            <a:schemeClr val="accent1"/>
+          </a:effectRef>
+          <a:fontRef idx="minor">
+            <a:schemeClr val="lt1"/>
+          </a:fontRef>
+        </p:style>
+        <p:txBody>
+          <a:bodyPr rtlCol="0" anchor="ctr"/>
+          <a:lstStyle/>
+          <a:p>
+            <a:pPr algn="ctr"/>
+            <a:r>
+              <a:rPr lang="en-US" dirty="0" err="1" smtClean="0"/>
+              <a:t>ReadMore</a:t>
+            </a:r>
+            <a:endParaRPr lang="en-US" dirty="0"/>
+          </a:p>
+        </p:txBody>
+      </p:sp>
+      <p:cxnSp>
+        <p:nvCxnSpPr>
+          <p:cNvPr id="25" name="直線接點 24"/>
+          <p:cNvCxnSpPr>
+            <a:stCxn id="13" idx="2"/>
+            <a:endCxn id="23" idx="0"/>
+          </p:cNvCxnSpPr>
+          <p:nvPr/>
+        </p:nvCxnSpPr>
+        <p:spPr>
+          <a:xfrm>
+            <a:off x="3419475" y="2316480"/>
+            <a:ext cx="0" cy="1988820"/>
+          </a:xfrm>
+          <a:prstGeom prst="line">
+            <a:avLst/>
+          </a:prstGeom>
+        </p:spPr>
+        <p:style>
+          <a:lnRef idx="1">
+            <a:schemeClr val="accent1"/>
+          </a:lnRef>
+          <a:fillRef idx="0">
+            <a:schemeClr val="accent1"/>
+          </a:fillRef>
+          <a:effectRef idx="0">
+            <a:schemeClr val="accent1"/>
+          </a:effectRef>
+          <a:fontRef idx="minor">
+            <a:schemeClr val="tx1"/>
+          </a:fontRef>
+        </p:style>
+      </p:cxnSp>
+      <p:sp>
+        <p:nvSpPr>
+          <p:cNvPr id="26" name="矩形 25"/>
+          <p:cNvSpPr/>
+          <p:nvPr/>
+        </p:nvSpPr>
+        <p:spPr>
+          <a:xfrm>
+            <a:off x="3769995" y="5516880"/>
+            <a:ext cx="1219200" cy="533400"/>
+          </a:xfrm>
+          <a:prstGeom prst="rect">
+            <a:avLst/>
+          </a:prstGeom>
+        </p:spPr>
+        <p:style>
+          <a:lnRef idx="2">
+            <a:schemeClr val="accent1">
+              <a:shade val="50000"/>
+            </a:schemeClr>
+          </a:lnRef>
+          <a:fillRef idx="1">
+            <a:schemeClr val="accent1"/>
+          </a:fillRef>
+          <a:effectRef idx="0">
+            <a:schemeClr val="accent1"/>
+          </a:effectRef>
+          <a:fontRef idx="minor">
+            <a:schemeClr val="lt1"/>
+          </a:fontRef>
+        </p:style>
+        <p:txBody>
+          <a:bodyPr rtlCol="0" anchor="ctr"/>
+          <a:lstStyle/>
+          <a:p>
+            <a:pPr algn="ctr"/>
+            <a:r>
+              <a:rPr lang="en-US" dirty="0" smtClean="0"/>
+              <a:t>Q&amp;A</a:t>
+            </a:r>
+            <a:endParaRPr lang="en-US" dirty="0"/>
+          </a:p>
+        </p:txBody>
+      </p:sp>
+      <p:cxnSp>
+        <p:nvCxnSpPr>
+          <p:cNvPr id="28" name="直線接點 27"/>
+          <p:cNvCxnSpPr>
+            <a:stCxn id="23" idx="2"/>
+            <a:endCxn id="22" idx="0"/>
+          </p:cNvCxnSpPr>
+          <p:nvPr/>
+        </p:nvCxnSpPr>
+        <p:spPr>
+          <a:xfrm flipH="1">
+            <a:off x="2470785" y="4838700"/>
+            <a:ext cx="948690" cy="678180"/>
+          </a:xfrm>
+          <a:prstGeom prst="line">
+            <a:avLst/>
+          </a:prstGeom>
+        </p:spPr>
+        <p:style>
+          <a:lnRef idx="1">
+            <a:schemeClr val="accent1"/>
+          </a:lnRef>
+          <a:fillRef idx="0">
+            <a:schemeClr val="accent1"/>
+          </a:fillRef>
+          <a:effectRef idx="0">
+            <a:schemeClr val="accent1"/>
+          </a:effectRef>
+          <a:fontRef idx="minor">
+            <a:schemeClr val="tx1"/>
+          </a:fontRef>
+        </p:style>
+      </p:cxnSp>
+      <p:cxnSp>
+        <p:nvCxnSpPr>
+          <p:cNvPr id="30" name="直線接點 29"/>
+          <p:cNvCxnSpPr>
+            <a:stCxn id="22" idx="3"/>
+            <a:endCxn id="26" idx="1"/>
+          </p:cNvCxnSpPr>
+          <p:nvPr/>
+        </p:nvCxnSpPr>
+        <p:spPr>
+          <a:xfrm>
+            <a:off x="3080385" y="5783580"/>
+            <a:ext cx="689610" cy="0"/>
+          </a:xfrm>
+          <a:prstGeom prst="line">
+            <a:avLst/>
+          </a:prstGeom>
+        </p:spPr>
+        <p:style>
+          <a:lnRef idx="1">
+            <a:schemeClr val="accent1"/>
+          </a:lnRef>
+          <a:fillRef idx="0">
+            <a:schemeClr val="accent1"/>
+          </a:fillRef>
+          <a:effectRef idx="0">
+            <a:schemeClr val="accent1"/>
+          </a:effectRef>
+          <a:fontRef idx="minor">
+            <a:schemeClr val="tx1"/>
+          </a:fontRef>
+        </p:style>
+      </p:cxnSp>
+      <p:cxnSp>
+        <p:nvCxnSpPr>
+          <p:cNvPr id="32" name="直線接點 31"/>
+          <p:cNvCxnSpPr>
+            <a:stCxn id="23" idx="2"/>
+            <a:endCxn id="26" idx="0"/>
+          </p:cNvCxnSpPr>
+          <p:nvPr/>
+        </p:nvCxnSpPr>
+        <p:spPr>
+          <a:xfrm>
+            <a:off x="3419475" y="4838700"/>
+            <a:ext cx="960120" cy="678180"/>
+          </a:xfrm>
+          <a:prstGeom prst="line">
+            <a:avLst/>
+          </a:prstGeom>
+        </p:spPr>
+        <p:style>
+          <a:lnRef idx="1">
+            <a:schemeClr val="accent1"/>
+          </a:lnRef>
+          <a:fillRef idx="0">
+            <a:schemeClr val="accent1"/>
+          </a:fillRef>
+          <a:effectRef idx="0">
+            <a:schemeClr val="accent1"/>
+          </a:effectRef>
+          <a:fontRef idx="minor">
+            <a:schemeClr val="tx1"/>
+          </a:fontRef>
+        </p:style>
+      </p:cxnSp>
+      <p:sp>
+        <p:nvSpPr>
+          <p:cNvPr id="37" name="矩形 36"/>
+          <p:cNvSpPr/>
+          <p:nvPr/>
+        </p:nvSpPr>
+        <p:spPr>
+          <a:xfrm>
+            <a:off x="4175760" y="3276600"/>
+            <a:ext cx="1047750" cy="533400"/>
+          </a:xfrm>
+          <a:prstGeom prst="rect">
+            <a:avLst/>
+          </a:prstGeom>
+        </p:spPr>
+        <p:style>
+          <a:lnRef idx="2">
+            <a:schemeClr val="accent1">
+              <a:shade val="50000"/>
+            </a:schemeClr>
+          </a:lnRef>
+          <a:fillRef idx="1">
+            <a:schemeClr val="accent1"/>
+          </a:fillRef>
+          <a:effectRef idx="0">
+            <a:schemeClr val="accent1"/>
+          </a:effectRef>
+          <a:fontRef idx="minor">
+            <a:schemeClr val="lt1"/>
+          </a:fontRef>
+        </p:style>
+        <p:txBody>
+          <a:bodyPr rtlCol="0" anchor="ctr"/>
+          <a:lstStyle/>
+          <a:p>
+            <a:pPr algn="ctr"/>
+            <a:r>
+              <a:rPr lang="en-US" altLang="zh-TW" dirty="0" smtClean="0"/>
+              <a:t>Donate</a:t>
+            </a:r>
+            <a:endParaRPr lang="en-US" dirty="0"/>
+          </a:p>
+        </p:txBody>
+      </p:sp>
+      <p:cxnSp>
+        <p:nvCxnSpPr>
+          <p:cNvPr id="39" name="直線接點 38"/>
+          <p:cNvCxnSpPr>
+            <a:stCxn id="15" idx="2"/>
+            <a:endCxn id="37" idx="0"/>
+          </p:cNvCxnSpPr>
+          <p:nvPr/>
+        </p:nvCxnSpPr>
+        <p:spPr>
+          <a:xfrm>
+            <a:off x="4699635" y="2316480"/>
+            <a:ext cx="0" cy="960120"/>
+          </a:xfrm>
+          <a:prstGeom prst="line">
+            <a:avLst/>
+          </a:prstGeom>
+        </p:spPr>
+        <p:style>
+          <a:lnRef idx="1">
+            <a:schemeClr val="accent1"/>
+          </a:lnRef>
+          <a:fillRef idx="0">
+            <a:schemeClr val="accent1"/>
+          </a:fillRef>
+          <a:effectRef idx="0">
+            <a:schemeClr val="accent1"/>
+          </a:effectRef>
+          <a:fontRef idx="minor">
+            <a:schemeClr val="tx1"/>
+          </a:fontRef>
+        </p:style>
+      </p:cxnSp>
+      <p:sp>
+        <p:nvSpPr>
+          <p:cNvPr id="40" name="矩形 39"/>
+          <p:cNvSpPr/>
+          <p:nvPr/>
+        </p:nvSpPr>
+        <p:spPr>
+          <a:xfrm>
+            <a:off x="5339714" y="1661160"/>
+            <a:ext cx="1280160" cy="655320"/>
+          </a:xfrm>
+          <a:prstGeom prst="rect">
+            <a:avLst/>
+          </a:prstGeom>
+        </p:spPr>
+        <p:style>
+          <a:lnRef idx="2">
+            <a:schemeClr val="accent2">
+              <a:shade val="50000"/>
+            </a:schemeClr>
+          </a:lnRef>
+          <a:fillRef idx="1">
+            <a:schemeClr val="accent2"/>
+          </a:fillRef>
+          <a:effectRef idx="0">
+            <a:schemeClr val="accent2"/>
+          </a:effectRef>
+          <a:fontRef idx="minor">
+            <a:schemeClr val="lt1"/>
+          </a:fontRef>
+        </p:style>
+        <p:txBody>
+          <a:bodyPr rtlCol="0" anchor="ctr"/>
+          <a:lstStyle/>
+          <a:p>
+            <a:pPr algn="ctr"/>
+            <a:r>
+              <a:rPr lang="zh-TW" altLang="en-US" dirty="0" smtClean="0"/>
+              <a:t>聯絡我們</a:t>
+            </a:r>
+            <a:endParaRPr lang="en-US" dirty="0"/>
+          </a:p>
+        </p:txBody>
+      </p:sp>
+      <p:sp>
+        <p:nvSpPr>
+          <p:cNvPr id="45" name="矩形 44"/>
+          <p:cNvSpPr/>
+          <p:nvPr/>
+        </p:nvSpPr>
+        <p:spPr>
+          <a:xfrm>
+            <a:off x="5467349" y="3276600"/>
+            <a:ext cx="1047750" cy="533400"/>
+          </a:xfrm>
+          <a:prstGeom prst="rect">
+            <a:avLst/>
+          </a:prstGeom>
+        </p:spPr>
+        <p:style>
+          <a:lnRef idx="2">
+            <a:schemeClr val="accent1">
+              <a:shade val="50000"/>
+            </a:schemeClr>
+          </a:lnRef>
+          <a:fillRef idx="1">
+            <a:schemeClr val="accent1"/>
+          </a:fillRef>
+          <a:effectRef idx="0">
+            <a:schemeClr val="accent1"/>
+          </a:effectRef>
+          <a:fontRef idx="minor">
+            <a:schemeClr val="lt1"/>
+          </a:fontRef>
+        </p:style>
+        <p:txBody>
+          <a:bodyPr rtlCol="0" anchor="ctr"/>
+          <a:lstStyle/>
+          <a:p>
+            <a:pPr algn="ctr"/>
+            <a:r>
+              <a:rPr lang="en-US" altLang="zh-TW" dirty="0" err="1" smtClean="0"/>
+              <a:t>CallUs</a:t>
+            </a:r>
+            <a:endParaRPr lang="en-US" dirty="0"/>
+          </a:p>
+        </p:txBody>
+      </p:sp>
+      <p:sp>
+        <p:nvSpPr>
+          <p:cNvPr id="46" name="矩形 45"/>
+          <p:cNvSpPr/>
+          <p:nvPr/>
+        </p:nvSpPr>
+        <p:spPr>
+          <a:xfrm>
+            <a:off x="1861185" y="6351270"/>
+            <a:ext cx="1219200" cy="533400"/>
+          </a:xfrm>
+          <a:prstGeom prst="rect">
+            <a:avLst/>
+          </a:prstGeom>
+        </p:spPr>
+        <p:style>
+          <a:lnRef idx="2">
+            <a:schemeClr val="accent1">
+              <a:shade val="50000"/>
+            </a:schemeClr>
+          </a:lnRef>
+          <a:fillRef idx="1">
+            <a:schemeClr val="accent1"/>
+          </a:fillRef>
+          <a:effectRef idx="0">
+            <a:schemeClr val="accent1"/>
+          </a:effectRef>
+          <a:fontRef idx="minor">
+            <a:schemeClr val="lt1"/>
+          </a:fontRef>
+        </p:style>
+        <p:txBody>
+          <a:bodyPr rtlCol="0" anchor="ctr"/>
+          <a:lstStyle/>
+          <a:p>
+            <a:pPr algn="ctr"/>
+            <a:r>
+              <a:rPr lang="en-US" dirty="0" err="1" smtClean="0"/>
+              <a:t>CuteTreeMore</a:t>
+            </a:r>
+            <a:endParaRPr lang="en-US" dirty="0"/>
+          </a:p>
+        </p:txBody>
+      </p:sp>
+      <p:cxnSp>
+        <p:nvCxnSpPr>
+          <p:cNvPr id="48" name="直線接點 47"/>
+          <p:cNvCxnSpPr>
+            <a:stCxn id="22" idx="2"/>
+            <a:endCxn id="46" idx="0"/>
+          </p:cNvCxnSpPr>
+          <p:nvPr/>
+        </p:nvCxnSpPr>
+        <p:spPr>
+          <a:xfrm>
+            <a:off x="2470785" y="6050280"/>
+            <a:ext cx="0" cy="300990"/>
+          </a:xfrm>
+          <a:prstGeom prst="line">
+            <a:avLst/>
+          </a:prstGeom>
+        </p:spPr>
+        <p:style>
+          <a:lnRef idx="1">
+            <a:schemeClr val="accent1"/>
+          </a:lnRef>
+          <a:fillRef idx="0">
+            <a:schemeClr val="accent1"/>
+          </a:fillRef>
+          <a:effectRef idx="0">
+            <a:schemeClr val="accent1"/>
+          </a:effectRef>
+          <a:fontRef idx="minor">
+            <a:schemeClr val="tx1"/>
+          </a:fontRef>
+        </p:style>
+      </p:cxnSp>
+      <p:cxnSp>
+        <p:nvCxnSpPr>
+          <p:cNvPr id="51" name="直線接點 50"/>
+          <p:cNvCxnSpPr>
+            <a:stCxn id="45" idx="0"/>
+            <a:endCxn id="40" idx="2"/>
+          </p:cNvCxnSpPr>
+          <p:nvPr/>
+        </p:nvCxnSpPr>
+        <p:spPr>
+          <a:xfrm flipH="1" flipV="1">
+            <a:off x="5979794" y="2316480"/>
+            <a:ext cx="11430" cy="960120"/>
+          </a:xfrm>
+          <a:prstGeom prst="line">
+            <a:avLst/>
+          </a:prstGeom>
+        </p:spPr>
+        <p:style>
+          <a:lnRef idx="1">
+            <a:schemeClr val="accent1"/>
+          </a:lnRef>
+          <a:fillRef idx="0">
+            <a:schemeClr val="accent1"/>
+          </a:fillRef>
+          <a:effectRef idx="0">
+            <a:schemeClr val="accent1"/>
+          </a:effectRef>
+          <a:fontRef idx="minor">
+            <a:schemeClr val="tx1"/>
+          </a:fontRef>
+        </p:style>
+      </p:cxnSp>
+      <p:sp>
+        <p:nvSpPr>
+          <p:cNvPr id="52" name="矩形 51"/>
+          <p:cNvSpPr/>
+          <p:nvPr/>
+        </p:nvSpPr>
+        <p:spPr>
+          <a:xfrm>
+            <a:off x="1988820" y="982980"/>
+            <a:ext cx="1280160" cy="655320"/>
+          </a:xfrm>
+          <a:prstGeom prst="rect">
+            <a:avLst/>
+          </a:prstGeom>
+        </p:spPr>
+        <p:style>
+          <a:lnRef idx="2">
+            <a:schemeClr val="accent2">
+              <a:shade val="50000"/>
+            </a:schemeClr>
+          </a:lnRef>
+          <a:fillRef idx="1">
+            <a:schemeClr val="accent2"/>
+          </a:fillRef>
+          <a:effectRef idx="0">
+            <a:schemeClr val="accent2"/>
+          </a:effectRef>
+          <a:fontRef idx="minor">
+            <a:schemeClr val="lt1"/>
+          </a:fontRef>
+        </p:style>
+        <p:txBody>
+          <a:bodyPr rtlCol="0" anchor="ctr"/>
+          <a:lstStyle/>
+          <a:p>
+            <a:pPr algn="ctr"/>
+            <a:r>
+              <a:rPr lang="zh-TW" altLang="en-US" dirty="0" smtClean="0"/>
+              <a:t>更多</a:t>
+            </a:r>
+            <a:r>
+              <a:rPr lang="zh-TW" altLang="en-US" dirty="0"/>
+              <a:t>相關</a:t>
+            </a:r>
+            <a:endParaRPr lang="en-US" dirty="0"/>
+          </a:p>
+        </p:txBody>
+      </p:sp>
+    </p:spTree>
+    <p:extLst>
+      <p:ext uri="{BB962C8B-B14F-4D97-AF65-F5344CB8AC3E}">
+        <p14:creationId xmlns:p14="http://schemas.microsoft.com/office/powerpoint/2010/main" val="3874027077"/>
+      </p:ext>
+    </p:extLst>
+  </p:cSld>
+  <p:clrMapOvr>
+    <a:masterClrMapping/>
+  </p:clrMapOvr>
+</p:sld>
+</file>
+
+<file path=ppt/slides/slide2.xml><?xml version="1.0" encoding="utf-8"?>
+<p:sld xmlns:a="http://schemas.openxmlformats.org/drawingml/2006/main" xmlns:r="http://schemas.openxmlformats.org/officeDocument/2006/relationships" xmlns:p="http://schemas.openxmlformats.org/presentationml/2006/main">
+  <p:cSld>
+    <p:spTree>
+      <p:nvGrpSpPr>
+        <p:cNvPr id="1" name=""/>
+        <p:cNvGrpSpPr/>
+        <p:nvPr/>
+      </p:nvGrpSpPr>
+      <p:grpSpPr>
+        <a:xfrm>
+          <a:off x="0" y="0"/>
+          <a:ext cx="0" cy="0"/>
+          <a:chOff x="0" y="0"/>
+          <a:chExt cx="0" cy="0"/>
+        </a:xfrm>
+      </p:grpSpPr>
       <p:pic>
         <p:nvPicPr>
           <p:cNvPr id="4" name="圖片 3"/>
@@ -3932,7 +5044,7 @@
 </p:sld>
 </file>
 
-<file path=ppt/slides/slide2.xml><?xml version="1.0" encoding="utf-8"?>
+<file path=ppt/slides/slide3.xml><?xml version="1.0" encoding="utf-8"?>
 <p:sld xmlns:a="http://schemas.openxmlformats.org/drawingml/2006/main" xmlns:r="http://schemas.openxmlformats.org/officeDocument/2006/relationships" xmlns:p="http://schemas.openxmlformats.org/presentationml/2006/main">
   <p:cSld>
     <p:spTree>
@@ -4184,41 +5296,21 @@
             <a:p>
               <a:r>
                 <a:rPr lang="zh-TW" altLang="en-US" sz="1000" dirty="0" smtClean="0"/>
-                <a:t>第一</a:t>
-              </a:r>
-              <a:r>
-                <a:rPr lang="zh-TW" altLang="en-US" sz="1000" dirty="0" smtClean="0"/>
-                <a:t>行行行行行行行行行行行</a:t>
-              </a:r>
-              <a:r>
-                <a:rPr lang="zh-TW" altLang="en-US" sz="1000" dirty="0" smtClean="0"/>
-                <a:t>行</a:t>
-              </a:r>
-              <a:r>
-                <a:rPr lang="zh-TW" altLang="en-US" sz="1000" dirty="0" smtClean="0"/>
-                <a:t>行行行行行行行行行行行行行行行行行行行行行行行行行行行行行行</a:t>
+                <a:t>第一行行行行行行行行行行行行行行行行行行行行行行行行行行行行行行行行行行行行行行行行行行</a:t>
               </a:r>
               <a:endParaRPr lang="en-US" altLang="zh-TW" sz="1000" dirty="0" smtClean="0"/>
             </a:p>
             <a:p>
               <a:r>
                 <a:rPr lang="zh-TW" altLang="en-US" sz="1000" dirty="0" smtClean="0"/>
-                <a:t>第二行</a:t>
-              </a:r>
-              <a:r>
-                <a:rPr lang="zh-TW" altLang="en-US" sz="1000" dirty="0" smtClean="0"/>
-                <a:t>行行行行行行行行行行行行</a:t>
+                <a:t>第二行行行行行行行行行行行行行</a:t>
               </a:r>
               <a:endParaRPr lang="en-US" altLang="zh-TW" sz="1000" dirty="0" smtClean="0"/>
             </a:p>
             <a:p>
               <a:r>
                 <a:rPr lang="zh-TW" altLang="en-US" sz="1000" dirty="0" smtClean="0"/>
-                <a:t>第三行</a:t>
-              </a:r>
-              <a:r>
-                <a:rPr lang="zh-TW" altLang="en-US" sz="1000" dirty="0" smtClean="0"/>
-                <a:t>行行行行行行行行行行行行</a:t>
+                <a:t>第三行行行行行行行行行行行行行</a:t>
               </a:r>
               <a:endParaRPr lang="en-US" sz="1000" dirty="0"/>
             </a:p>
@@ -4291,7 +5383,7 @@
 </p:sld>
 </file>
 
-<file path=ppt/slides/slide3.xml><?xml version="1.0" encoding="utf-8"?>
+<file path=ppt/slides/slide4.xml><?xml version="1.0" encoding="utf-8"?>
 <p:sld xmlns:a="http://schemas.openxmlformats.org/drawingml/2006/main" xmlns:r="http://schemas.openxmlformats.org/officeDocument/2006/relationships" xmlns:p="http://schemas.openxmlformats.org/presentationml/2006/main">
   <p:cSld>
     <p:spTree>
